--- a/B_TEAM_PPT_v_6.pptx
+++ b/B_TEAM_PPT_v_6.pptx
@@ -269,7 +269,7 @@
       <p15:sldGuideLst xmlns:p15="http://schemas.microsoft.com/office/powerpoint/2012/main"/>
     </p:ext>
     <p:ext uri="GoogleSlidesCustomDataVersion2">
-      <go:slidesCustomData xmlns:go="http://customooxmlschemas.google.com/" xmlns:ahyp="http://schemas.microsoft.com/office/drawing/2018/hyperlinkcolor" xmlns:p15="http://schemas.microsoft.com/office/powerpoint/2012/main" xmlns:p14="http://schemas.microsoft.com/office/powerpoint/2010/main" xmlns:com="http://schemas.openxmlformats.org/drawingml/2006/compatibility" xmlns:pvml="urn:schemas-microsoft-com:office:powerpoint" xmlns:v="urn:schemas-microsoft-com:vml" xmlns:o="urn:schemas-microsoft-com:office:office" xmlns:dgm="http://schemas.openxmlformats.org/drawingml/2006/diagram" xmlns:c="http://schemas.openxmlformats.org/drawingml/2006/chart" xmlns:mv="urn:schemas-microsoft-com:mac:vml" xmlns:mc="http://schemas.openxmlformats.org/markup-compatibility/2006" xmlns="" r:id="rId28" roundtripDataSignature="AMtx7mj5GdbxsaFl02bTEFBl/9s84/Z/Bw=="/>
+      <go:slidesCustomData xmlns="" xmlns:mc="http://schemas.openxmlformats.org/markup-compatibility/2006" xmlns:mv="urn:schemas-microsoft-com:mac:vml" xmlns:c="http://schemas.openxmlformats.org/drawingml/2006/chart" xmlns:dgm="http://schemas.openxmlformats.org/drawingml/2006/diagram" xmlns:o="urn:schemas-microsoft-com:office:office" xmlns:v="urn:schemas-microsoft-com:vml" xmlns:pvml="urn:schemas-microsoft-com:office:powerpoint" xmlns:com="http://schemas.openxmlformats.org/drawingml/2006/compatibility" xmlns:p14="http://schemas.microsoft.com/office/powerpoint/2010/main" xmlns:p15="http://schemas.microsoft.com/office/powerpoint/2012/main" xmlns:ahyp="http://schemas.microsoft.com/office/drawing/2018/hyperlinkcolor" xmlns:go="http://customooxmlschemas.google.com/" r:id="rId28" roundtripDataSignature="AMtx7mj5GdbxsaFl02bTEFBl/9s84/Z/Bw=="/>
     </p:ext>
   </p:extLst>
 </p:presentation>
@@ -4290,7 +4290,7 @@
             <a:pPr marL="0" indent="0"/>
             <a:r>
               <a:rPr lang="en-US" altLang="ko-KR" b="1" dirty="0"/>
-              <a:t>[Team B SSD Project PPT Draft]</a:t>
+              <a:t>[Team B SSD Project]</a:t>
             </a:r>
             <a:endParaRPr lang="en-US" altLang="ko-KR" dirty="0"/>
           </a:p>
@@ -7589,12 +7589,9 @@
             </a:r>
             <a:r>
               <a:rPr lang="en-US" altLang="ko-KR" dirty="0"/>
-              <a:t>: Team B SSD </a:t>
-            </a:r>
-            <a:r>
-              <a:rPr lang="ko-KR" altLang="en-US" dirty="0"/>
-              <a:t>프로젝트 발표</a:t>
-            </a:r>
+              <a:t>: Team B SSD Project</a:t>
+            </a:r>
+            <a:endParaRPr lang="ko-KR" altLang="en-US" dirty="0"/>
           </a:p>
           <a:p>
             <a:pPr>
@@ -7646,10 +7643,6 @@
             <a:r>
               <a:rPr lang="ko-KR" altLang="en-US" dirty="0" err="1"/>
               <a:t>김윤제</a:t>
-            </a:r>
-            <a:r>
-              <a:rPr lang="ko-KR" altLang="en-US" dirty="0"/>
-              <a:t> 님</a:t>
             </a:r>
             <a:endParaRPr lang="en-US" altLang="ko-KR" dirty="0"/>
           </a:p>

--- a/B_TEAM_PPT_v_6.pptx
+++ b/B_TEAM_PPT_v_6.pptx
@@ -269,7 +269,7 @@
       <p15:sldGuideLst xmlns:p15="http://schemas.microsoft.com/office/powerpoint/2012/main"/>
     </p:ext>
     <p:ext uri="GoogleSlidesCustomDataVersion2">
-      <go:slidesCustomData xmlns="" xmlns:mc="http://schemas.openxmlformats.org/markup-compatibility/2006" xmlns:mv="urn:schemas-microsoft-com:mac:vml" xmlns:c="http://schemas.openxmlformats.org/drawingml/2006/chart" xmlns:dgm="http://schemas.openxmlformats.org/drawingml/2006/diagram" xmlns:o="urn:schemas-microsoft-com:office:office" xmlns:v="urn:schemas-microsoft-com:vml" xmlns:pvml="urn:schemas-microsoft-com:office:powerpoint" xmlns:com="http://schemas.openxmlformats.org/drawingml/2006/compatibility" xmlns:p14="http://schemas.microsoft.com/office/powerpoint/2010/main" xmlns:p15="http://schemas.microsoft.com/office/powerpoint/2012/main" xmlns:ahyp="http://schemas.microsoft.com/office/drawing/2018/hyperlinkcolor" xmlns:go="http://customooxmlschemas.google.com/" r:id="rId28" roundtripDataSignature="AMtx7mj5GdbxsaFl02bTEFBl/9s84/Z/Bw=="/>
+      <go:slidesCustomData xmlns:go="http://customooxmlschemas.google.com/" xmlns:ahyp="http://schemas.microsoft.com/office/drawing/2018/hyperlinkcolor" xmlns:p15="http://schemas.microsoft.com/office/powerpoint/2012/main" xmlns:p14="http://schemas.microsoft.com/office/powerpoint/2010/main" xmlns:com="http://schemas.openxmlformats.org/drawingml/2006/compatibility" xmlns:pvml="urn:schemas-microsoft-com:office:powerpoint" xmlns:v="urn:schemas-microsoft-com:vml" xmlns:o="urn:schemas-microsoft-com:office:office" xmlns:dgm="http://schemas.openxmlformats.org/drawingml/2006/diagram" xmlns:c="http://schemas.openxmlformats.org/drawingml/2006/chart" xmlns:mv="urn:schemas-microsoft-com:mac:vml" xmlns:mc="http://schemas.openxmlformats.org/markup-compatibility/2006" xmlns="" r:id="rId28" roundtripDataSignature="AMtx7mj5GdbxsaFl02bTEFBl/9s84/Z/Bw=="/>
     </p:ext>
   </p:extLst>
 </p:presentation>
@@ -1617,6 +1617,224 @@
     <p:extLst>
       <p:ext uri="{BB962C8B-B14F-4D97-AF65-F5344CB8AC3E}">
         <p14:creationId xmlns:p14="http://schemas.microsoft.com/office/powerpoint/2010/main" val="2666465035"/>
+      </p:ext>
+    </p:extLst>
+  </p:cSld>
+  <p:clrMapOvr>
+    <a:masterClrMapping/>
+  </p:clrMapOvr>
+</p:notes>
+</file>
+
+<file path=ppt/notesSlides/notesSlide4.xml><?xml version="1.0" encoding="utf-8"?>
+<p:notes xmlns:a="http://schemas.openxmlformats.org/drawingml/2006/main" xmlns:r="http://schemas.openxmlformats.org/officeDocument/2006/relationships" xmlns:p="http://schemas.openxmlformats.org/presentationml/2006/main">
+  <p:cSld>
+    <p:spTree>
+      <p:nvGrpSpPr>
+        <p:cNvPr id="1" name=""/>
+        <p:cNvGrpSpPr/>
+        <p:nvPr/>
+      </p:nvGrpSpPr>
+      <p:grpSpPr>
+        <a:xfrm>
+          <a:off x="0" y="0"/>
+          <a:ext cx="0" cy="0"/>
+          <a:chOff x="0" y="0"/>
+          <a:chExt cx="0" cy="0"/>
+        </a:xfrm>
+      </p:grpSpPr>
+      <p:sp>
+        <p:nvSpPr>
+          <p:cNvPr id="2" name="슬라이드 이미지 개체 틀 1"/>
+          <p:cNvSpPr>
+            <a:spLocks noGrp="1" noRot="1" noChangeAspect="1"/>
+          </p:cNvSpPr>
+          <p:nvPr>
+            <p:ph type="sldImg"/>
+          </p:nvPr>
+        </p:nvSpPr>
+        <p:spPr>
+          <a:xfrm>
+            <a:off x="381000" y="685800"/>
+            <a:ext cx="6096000" cy="3429000"/>
+          </a:xfrm>
+        </p:spPr>
+      </p:sp>
+      <p:sp>
+        <p:nvSpPr>
+          <p:cNvPr id="3" name="슬라이드 노트 개체 틀 2"/>
+          <p:cNvSpPr>
+            <a:spLocks noGrp="1"/>
+          </p:cNvSpPr>
+          <p:nvPr>
+            <p:ph type="body" idx="1"/>
+          </p:nvPr>
+        </p:nvSpPr>
+        <p:spPr/>
+        <p:txBody>
+          <a:bodyPr/>
+          <a:lstStyle/>
+          <a:p>
+            <a:r>
+              <a:rPr lang="en-US" altLang="ko-KR" dirty="0"/>
+              <a:t>write  3  0xAAAABBBB</a:t>
+            </a:r>
+          </a:p>
+          <a:p>
+            <a:r>
+              <a:rPr lang="en-US" altLang="ko-KR" dirty="0"/>
+              <a:t>read 3</a:t>
+            </a:r>
+          </a:p>
+          <a:p>
+            <a:r>
+              <a:rPr lang="en-US" altLang="ko-KR" dirty="0" err="1"/>
+              <a:t>fullwrite</a:t>
+            </a:r>
+            <a:r>
+              <a:rPr lang="en-US" altLang="ko-KR" dirty="0"/>
+              <a:t> 0xFFFFFFFF</a:t>
+            </a:r>
+          </a:p>
+          <a:p>
+            <a:r>
+              <a:rPr lang="en-US" altLang="ko-KR" dirty="0"/>
+              <a:t>erase 8 20</a:t>
+            </a:r>
+          </a:p>
+          <a:p>
+            <a:r>
+              <a:rPr lang="en-US" altLang="ko-KR" dirty="0"/>
+              <a:t>flush</a:t>
+            </a:r>
+          </a:p>
+          <a:p>
+            <a:r>
+              <a:rPr lang="en-US" altLang="ko-KR" dirty="0" err="1"/>
+              <a:t>fullread</a:t>
+            </a:r>
+            <a:endParaRPr lang="en-US" altLang="ko-KR" dirty="0"/>
+          </a:p>
+          <a:p>
+            <a:r>
+              <a:rPr lang="en-US" altLang="ko-KR" dirty="0"/>
+              <a:t>1_</a:t>
+            </a:r>
+          </a:p>
+          <a:p>
+            <a:r>
+              <a:rPr lang="en-US" altLang="ko-KR" dirty="0"/>
+              <a:t>shell_scripts.txt</a:t>
+            </a:r>
+          </a:p>
+          <a:p>
+            <a:pPr lvl="1"/>
+            <a:r>
+              <a:rPr lang="en-US" altLang="ko-KR" dirty="0"/>
+              <a:t>1_FullWriteAndReadCompare</a:t>
+            </a:r>
+          </a:p>
+          <a:p>
+            <a:pPr lvl="1"/>
+            <a:r>
+              <a:rPr lang="en-US" altLang="ko-KR" dirty="0"/>
+              <a:t>2_PartialLBAWrite</a:t>
+            </a:r>
+          </a:p>
+          <a:p>
+            <a:pPr lvl="1"/>
+            <a:r>
+              <a:rPr lang="en-US" altLang="ko-KR" dirty="0"/>
+              <a:t>3_WriteReadAging</a:t>
+            </a:r>
+          </a:p>
+          <a:p>
+            <a:pPr lvl="1"/>
+            <a:r>
+              <a:rPr lang="en-US" altLang="ko-KR" dirty="0"/>
+              <a:t>4_EraseAndWriteAging</a:t>
+            </a:r>
+          </a:p>
+          <a:p>
+            <a:pPr lvl="1"/>
+            <a:r>
+              <a:rPr lang="en-US" altLang="ko-KR"/>
+              <a:t>5_FullWriteFullReadFlush</a:t>
+            </a:r>
+            <a:endParaRPr lang="ko-KR" altLang="en-US" dirty="0"/>
+          </a:p>
+        </p:txBody>
+      </p:sp>
+    </p:spTree>
+    <p:extLst>
+      <p:ext uri="{BB962C8B-B14F-4D97-AF65-F5344CB8AC3E}">
+        <p14:creationId xmlns:p14="http://schemas.microsoft.com/office/powerpoint/2010/main" val="3655865813"/>
+      </p:ext>
+    </p:extLst>
+  </p:cSld>
+  <p:clrMapOvr>
+    <a:masterClrMapping/>
+  </p:clrMapOvr>
+</p:notes>
+</file>
+
+<file path=ppt/notesSlides/notesSlide5.xml><?xml version="1.0" encoding="utf-8"?>
+<p:notes xmlns:a="http://schemas.openxmlformats.org/drawingml/2006/main" xmlns:r="http://schemas.openxmlformats.org/officeDocument/2006/relationships" xmlns:p="http://schemas.openxmlformats.org/presentationml/2006/main">
+  <p:cSld>
+    <p:spTree>
+      <p:nvGrpSpPr>
+        <p:cNvPr id="1" name=""/>
+        <p:cNvGrpSpPr/>
+        <p:nvPr/>
+      </p:nvGrpSpPr>
+      <p:grpSpPr>
+        <a:xfrm>
+          <a:off x="0" y="0"/>
+          <a:ext cx="0" cy="0"/>
+          <a:chOff x="0" y="0"/>
+          <a:chExt cx="0" cy="0"/>
+        </a:xfrm>
+      </p:grpSpPr>
+      <p:sp>
+        <p:nvSpPr>
+          <p:cNvPr id="2" name="슬라이드 이미지 개체 틀 1"/>
+          <p:cNvSpPr>
+            <a:spLocks noGrp="1" noRot="1" noChangeAspect="1"/>
+          </p:cNvSpPr>
+          <p:nvPr>
+            <p:ph type="sldImg"/>
+          </p:nvPr>
+        </p:nvSpPr>
+        <p:spPr>
+          <a:xfrm>
+            <a:off x="381000" y="685800"/>
+            <a:ext cx="6096000" cy="3429000"/>
+          </a:xfrm>
+        </p:spPr>
+      </p:sp>
+      <p:sp>
+        <p:nvSpPr>
+          <p:cNvPr id="3" name="슬라이드 노트 개체 틀 2"/>
+          <p:cNvSpPr>
+            <a:spLocks noGrp="1"/>
+          </p:cNvSpPr>
+          <p:nvPr>
+            <p:ph type="body" idx="1"/>
+          </p:nvPr>
+        </p:nvSpPr>
+        <p:spPr/>
+        <p:txBody>
+          <a:bodyPr/>
+          <a:lstStyle/>
+          <a:p>
+            <a:endParaRPr lang="ko-KR" altLang="en-US" dirty="0"/>
+          </a:p>
+        </p:txBody>
+      </p:sp>
+    </p:spTree>
+    <p:extLst>
+      <p:ext uri="{BB962C8B-B14F-4D97-AF65-F5344CB8AC3E}">
+        <p14:creationId xmlns:p14="http://schemas.microsoft.com/office/powerpoint/2010/main" val="4203898221"/>
       </p:ext>
     </p:extLst>
   </p:cSld>
@@ -6818,8 +7036,8 @@
           <a:lstStyle/>
           <a:p>
             <a:r>
-              <a:rPr lang="ko-KR" altLang="en-US" dirty="0" err="1"/>
-              <a:t>리팩터링</a:t>
+              <a:rPr lang="en-US" altLang="ko-KR" dirty="0"/>
+              <a:t>Refactoring</a:t>
             </a:r>
             <a:r>
               <a:rPr lang="ko-KR" altLang="en-US" dirty="0"/>
@@ -7040,8 +7258,8 @@
           <a:lstStyle/>
           <a:p>
             <a:r>
-              <a:rPr lang="ko-KR" altLang="en-US" dirty="0" err="1"/>
-              <a:t>리팩터링</a:t>
+              <a:rPr lang="en-US" altLang="ko-KR" dirty="0"/>
+              <a:t>Refactoring</a:t>
             </a:r>
             <a:r>
               <a:rPr lang="ko-KR" altLang="en-US" dirty="0"/>
@@ -7300,8 +7518,8 @@
           <a:lstStyle/>
           <a:p>
             <a:r>
-              <a:rPr lang="ko-KR" altLang="en-US" dirty="0" err="1"/>
-              <a:t>리팩터링</a:t>
+              <a:rPr lang="en-US" altLang="ko-KR" dirty="0"/>
+              <a:t>Refactoring</a:t>
             </a:r>
             <a:r>
               <a:rPr lang="ko-KR" altLang="en-US" dirty="0"/>
@@ -7733,8 +7951,8 @@
           <a:lstStyle/>
           <a:p>
             <a:r>
-              <a:rPr lang="ko-KR" altLang="en-US" dirty="0" err="1"/>
-              <a:t>리팩터링</a:t>
+              <a:rPr lang="en-US" altLang="ko-KR" dirty="0"/>
+              <a:t>Refactoring</a:t>
             </a:r>
             <a:r>
               <a:rPr lang="ko-KR" altLang="en-US" dirty="0"/>
@@ -7975,8 +8193,8 @@
           <a:lstStyle/>
           <a:p>
             <a:r>
-              <a:rPr lang="ko-KR" altLang="en-US" dirty="0" err="1"/>
-              <a:t>리팩터링</a:t>
+              <a:rPr lang="en-US" altLang="ko-KR" dirty="0"/>
+              <a:t>Refactoring</a:t>
             </a:r>
             <a:r>
               <a:rPr lang="ko-KR" altLang="en-US" dirty="0"/>
@@ -8247,8 +8465,8 @@
           <a:lstStyle/>
           <a:p>
             <a:r>
-              <a:rPr lang="ko-KR" altLang="en-US" dirty="0" err="1"/>
-              <a:t>리팩터링</a:t>
+              <a:rPr lang="en-US" altLang="ko-KR" dirty="0"/>
+              <a:t>Refactoring</a:t>
             </a:r>
             <a:r>
               <a:rPr lang="ko-KR" altLang="en-US" dirty="0"/>
